--- a/20111026 Rake/Using rake to make your builds majestic.pptx
+++ b/20111026 Rake/Using rake to make your builds majestic.pptx
@@ -9,6 +9,8 @@
     <p:sldId id="257" r:id="rId3"/>
     <p:sldId id="258" r:id="rId4"/>
     <p:sldId id="259" r:id="rId5"/>
+    <p:sldId id="261" r:id="rId6"/>
+    <p:sldId id="260" r:id="rId7"/>
   </p:sldIdLst>
   <p:sldSz cx="9144000" cy="6858000" type="screen4x3"/>
   <p:notesSz cx="6858000" cy="9144000"/>
@@ -434,7 +436,7 @@
           <a:p>
             <a:fld id="{63037E22-3743-4884-ACAD-F001C4CCDBD3}" type="datetimeFigureOut">
               <a:rPr lang="en-US" smtClean="0"/>
-              <a:t>11/1/2011</a:t>
+              <a:t>11/2/2011</a:t>
             </a:fld>
             <a:endParaRPr lang="en-US"/>
           </a:p>
@@ -599,7 +601,7 @@
           <a:p>
             <a:fld id="{63037E22-3743-4884-ACAD-F001C4CCDBD3}" type="datetimeFigureOut">
               <a:rPr lang="en-US" smtClean="0"/>
-              <a:t>11/1/2011</a:t>
+              <a:t>11/2/2011</a:t>
             </a:fld>
             <a:endParaRPr lang="en-US"/>
           </a:p>
@@ -829,7 +831,7 @@
           <a:p>
             <a:fld id="{63037E22-3743-4884-ACAD-F001C4CCDBD3}" type="datetimeFigureOut">
               <a:rPr lang="en-US" smtClean="0"/>
-              <a:t>11/1/2011</a:t>
+              <a:t>11/2/2011</a:t>
             </a:fld>
             <a:endParaRPr lang="en-US"/>
           </a:p>
@@ -1027,7 +1029,7 @@
           <a:p>
             <a:fld id="{63037E22-3743-4884-ACAD-F001C4CCDBD3}" type="datetimeFigureOut">
               <a:rPr lang="en-US" smtClean="0"/>
-              <a:t>11/1/2011</a:t>
+              <a:t>11/2/2011</a:t>
             </a:fld>
             <a:endParaRPr lang="en-US"/>
           </a:p>
@@ -1435,7 +1437,7 @@
           <a:p>
             <a:fld id="{63037E22-3743-4884-ACAD-F001C4CCDBD3}" type="datetimeFigureOut">
               <a:rPr lang="en-US" smtClean="0"/>
-              <a:t>11/1/2011</a:t>
+              <a:t>11/2/2011</a:t>
             </a:fld>
             <a:endParaRPr lang="en-US"/>
           </a:p>
@@ -1639,7 +1641,7 @@
           <a:p>
             <a:fld id="{63037E22-3743-4884-ACAD-F001C4CCDBD3}" type="datetimeFigureOut">
               <a:rPr lang="en-US" smtClean="0"/>
-              <a:t>11/1/2011</a:t>
+              <a:t>11/2/2011</a:t>
             </a:fld>
             <a:endParaRPr lang="en-US"/>
           </a:p>
@@ -2045,7 +2047,7 @@
           <a:p>
             <a:fld id="{63037E22-3743-4884-ACAD-F001C4CCDBD3}" type="datetimeFigureOut">
               <a:rPr lang="en-US" smtClean="0"/>
-              <a:t>11/1/2011</a:t>
+              <a:t>11/2/2011</a:t>
             </a:fld>
             <a:endParaRPr lang="en-US"/>
           </a:p>
@@ -2181,7 +2183,7 @@
           <a:p>
             <a:fld id="{63037E22-3743-4884-ACAD-F001C4CCDBD3}" type="datetimeFigureOut">
               <a:rPr lang="en-US" smtClean="0"/>
-              <a:t>11/1/2011</a:t>
+              <a:t>11/2/2011</a:t>
             </a:fld>
             <a:endParaRPr lang="en-US"/>
           </a:p>
@@ -2271,7 +2273,7 @@
           <a:p>
             <a:fld id="{63037E22-3743-4884-ACAD-F001C4CCDBD3}" type="datetimeFigureOut">
               <a:rPr lang="en-US" smtClean="0"/>
-              <a:t>11/1/2011</a:t>
+              <a:t>11/2/2011</a:t>
             </a:fld>
             <a:endParaRPr lang="en-US"/>
           </a:p>
@@ -2525,7 +2527,7 @@
           <a:p>
             <a:fld id="{63037E22-3743-4884-ACAD-F001C4CCDBD3}" type="datetimeFigureOut">
               <a:rPr lang="en-US" smtClean="0"/>
-              <a:t>11/1/2011</a:t>
+              <a:t>11/2/2011</a:t>
             </a:fld>
             <a:endParaRPr lang="en-US"/>
           </a:p>
@@ -2823,7 +2825,7 @@
           <a:p>
             <a:fld id="{63037E22-3743-4884-ACAD-F001C4CCDBD3}" type="datetimeFigureOut">
               <a:rPr lang="en-US" smtClean="0"/>
-              <a:t>11/1/2011</a:t>
+              <a:t>11/2/2011</a:t>
             </a:fld>
             <a:endParaRPr lang="en-US"/>
           </a:p>
@@ -3054,7 +3056,7 @@
           <a:p>
             <a:fld id="{63037E22-3743-4884-ACAD-F001C4CCDBD3}" type="datetimeFigureOut">
               <a:rPr lang="en-US" smtClean="0"/>
-              <a:t>11/1/2011</a:t>
+              <a:t>11/2/2011</a:t>
             </a:fld>
             <a:endParaRPr lang="en-US"/>
           </a:p>
@@ -3667,27 +3669,27 @@
           </a:p>
           <a:p>
             <a:r>
-              <a:rPr lang="en-US" sz="2800" b="1" dirty="0" smtClean="0">
+              <a:rPr lang="en-US" sz="2800" dirty="0" smtClean="0">
                 <a:hlinkClick r:id="rId2"/>
               </a:rPr>
               <a:t>http</a:t>
             </a:r>
             <a:r>
-              <a:rPr lang="en-US" sz="2800" b="1" dirty="0">
+              <a:rPr lang="en-US" sz="2800" dirty="0">
                 <a:hlinkClick r:id="rId2"/>
               </a:rPr>
               <a:t>://</a:t>
             </a:r>
             <a:r>
-              <a:rPr lang="en-US" sz="2800" b="1" dirty="0" smtClean="0">
+              <a:rPr lang="en-US" sz="2800" dirty="0" smtClean="0">
                 <a:hlinkClick r:id="rId2"/>
               </a:rPr>
               <a:t>rubyinstaller.org/</a:t>
             </a:r>
-            <a:endParaRPr lang="en-US" sz="2800" b="1" dirty="0" smtClean="0"/>
-          </a:p>
-          <a:p>
-            <a:endParaRPr lang="en-US" sz="2800" b="1" dirty="0"/>
+            <a:endParaRPr lang="en-US" sz="2800" dirty="0" smtClean="0"/>
+          </a:p>
+          <a:p>
+            <a:endParaRPr lang="en-US" sz="2800" dirty="0"/>
           </a:p>
           <a:p>
             <a:r>
@@ -3825,7 +3827,7 @@
           </a:bodyPr>
           <a:lstStyle/>
           <a:p>
-            <a:endParaRPr lang="en-US" sz="2800" dirty="0" smtClean="0"/>
+            <a:endParaRPr lang="en-US" sz="2800" b="1" dirty="0" smtClean="0"/>
           </a:p>
           <a:p>
             <a:r>
@@ -3843,7 +3845,7 @@
               </a:rPr>
               <a:t>http://rubyrake.org/</a:t>
             </a:r>
-            <a:endParaRPr lang="en-US" sz="2800" b="1" dirty="0" smtClean="0"/>
+            <a:endParaRPr lang="en-US" sz="2800" dirty="0" smtClean="0"/>
           </a:p>
         </p:txBody>
       </p:sp>
@@ -3940,9 +3942,39 @@
               <a:rPr lang="en-US" sz="2800" dirty="0">
                 <a:hlinkClick r:id="rId2"/>
               </a:rPr>
-              <a:t>http://albacorebuild.net/</a:t>
-            </a:r>
-            <a:endParaRPr lang="en-US" sz="2800" b="1" dirty="0" smtClean="0"/>
+              <a:t>http://albacorebuild.net</a:t>
+            </a:r>
+            <a:r>
+              <a:rPr lang="en-US" sz="2800" dirty="0" smtClean="0">
+                <a:hlinkClick r:id="rId2"/>
+              </a:rPr>
+              <a:t>/</a:t>
+            </a:r>
+            <a:endParaRPr lang="en-US" sz="2800" dirty="0" smtClean="0"/>
+          </a:p>
+          <a:p>
+            <a:r>
+              <a:rPr lang="en-US" sz="2800" dirty="0">
+                <a:hlinkClick r:id="rId3"/>
+              </a:rPr>
+              <a:t>https://</a:t>
+            </a:r>
+            <a:r>
+              <a:rPr lang="en-US" sz="2800" dirty="0" smtClean="0">
+                <a:hlinkClick r:id="rId3"/>
+              </a:rPr>
+              <a:t>github.com/derickbailey/albacore</a:t>
+            </a:r>
+            <a:endParaRPr lang="en-US" sz="2800" dirty="0" smtClean="0"/>
+          </a:p>
+          <a:p>
+            <a:r>
+              <a:rPr lang="en-US" sz="2800" dirty="0">
+                <a:hlinkClick r:id="rId4"/>
+              </a:rPr>
+              <a:t>https://github.com/derickbailey/albacore/wiki</a:t>
+            </a:r>
+            <a:endParaRPr lang="en-US" sz="2800" dirty="0" smtClean="0"/>
           </a:p>
         </p:txBody>
       </p:sp>
@@ -3973,6 +4005,440 @@
     <p:extLst>
       <p:ext uri="{BB962C8B-B14F-4D97-AF65-F5344CB8AC3E}">
         <p14:creationId xmlns:p14="http://schemas.microsoft.com/office/powerpoint/2010/main" val="3405673004"/>
+      </p:ext>
+    </p:extLst>
+  </p:cSld>
+  <p:clrMapOvr>
+    <a:masterClrMapping/>
+  </p:clrMapOvr>
+  <p:timing>
+    <p:tnLst>
+      <p:par>
+        <p:cTn id="1" dur="indefinite" restart="never" nodeType="tmRoot"/>
+      </p:par>
+    </p:tnLst>
+  </p:timing>
+</p:sld>
+</file>
+
+<file path=ppt/slides/slide5.xml><?xml version="1.0" encoding="utf-8"?>
+<p:sld xmlns:a="http://schemas.openxmlformats.org/drawingml/2006/main" xmlns:r="http://schemas.openxmlformats.org/officeDocument/2006/relationships" xmlns:p="http://schemas.openxmlformats.org/presentationml/2006/main">
+  <p:cSld>
+    <p:spTree>
+      <p:nvGrpSpPr>
+        <p:cNvPr id="1" name=""/>
+        <p:cNvGrpSpPr/>
+        <p:nvPr/>
+      </p:nvGrpSpPr>
+      <p:grpSpPr>
+        <a:xfrm>
+          <a:off x="0" y="0"/>
+          <a:ext cx="0" cy="0"/>
+          <a:chOff x="0" y="0"/>
+          <a:chExt cx="0" cy="0"/>
+        </a:xfrm>
+      </p:grpSpPr>
+      <p:sp>
+        <p:nvSpPr>
+          <p:cNvPr id="2" name="Content Placeholder 1"/>
+          <p:cNvSpPr>
+            <a:spLocks noGrp="1"/>
+          </p:cNvSpPr>
+          <p:nvPr>
+            <p:ph sz="quarter" idx="13"/>
+          </p:nvPr>
+        </p:nvSpPr>
+        <p:spPr/>
+        <p:txBody>
+          <a:bodyPr>
+            <a:normAutofit/>
+          </a:bodyPr>
+          <a:lstStyle/>
+          <a:p>
+            <a:pPr algn="l"/>
+            <a:endParaRPr lang="en-US" sz="2800" dirty="0" smtClean="0"/>
+          </a:p>
+          <a:p>
+            <a:pPr algn="l"/>
+            <a:r>
+              <a:rPr lang="en-US" sz="2800" dirty="0" smtClean="0"/>
+              <a:t>/project</a:t>
+            </a:r>
+          </a:p>
+          <a:p>
+            <a:pPr algn="l"/>
+            <a:r>
+              <a:rPr lang="en-US" sz="2800" dirty="0" smtClean="0"/>
+              <a:t>    /</a:t>
+            </a:r>
+            <a:r>
+              <a:rPr lang="en-US" sz="2800" dirty="0" err="1" smtClean="0">
+                <a:solidFill>
+                  <a:srgbClr val="FFFF00"/>
+                </a:solidFill>
+              </a:rPr>
+              <a:t>rakefile</a:t>
+            </a:r>
+            <a:r>
+              <a:rPr lang="en-US" sz="2800" dirty="0" smtClean="0">
+                <a:solidFill>
+                  <a:srgbClr val="FFFF00"/>
+                </a:solidFill>
+              </a:rPr>
+              <a:t>(.</a:t>
+            </a:r>
+            <a:r>
+              <a:rPr lang="en-US" sz="2800" dirty="0" err="1" smtClean="0">
+                <a:solidFill>
+                  <a:srgbClr val="FFFF00"/>
+                </a:solidFill>
+              </a:rPr>
+              <a:t>rb</a:t>
+            </a:r>
+            <a:r>
+              <a:rPr lang="en-US" sz="2800" dirty="0" smtClean="0">
+                <a:solidFill>
+                  <a:srgbClr val="FFFF00"/>
+                </a:solidFill>
+              </a:rPr>
+              <a:t>)</a:t>
+            </a:r>
+          </a:p>
+          <a:p>
+            <a:pPr algn="l"/>
+            <a:r>
+              <a:rPr lang="en-US" sz="2800" dirty="0"/>
+              <a:t> </a:t>
+            </a:r>
+            <a:r>
+              <a:rPr lang="en-US" sz="2800" dirty="0" smtClean="0"/>
+              <a:t>   /</a:t>
+            </a:r>
+            <a:r>
+              <a:rPr lang="en-US" sz="2800" dirty="0" err="1" smtClean="0"/>
+              <a:t>src</a:t>
+            </a:r>
+            <a:endParaRPr lang="en-US" sz="2800" dirty="0" smtClean="0"/>
+          </a:p>
+          <a:p>
+            <a:pPr algn="l"/>
+            <a:r>
+              <a:rPr lang="en-US" sz="2800" dirty="0"/>
+              <a:t> </a:t>
+            </a:r>
+            <a:r>
+              <a:rPr lang="en-US" sz="2800" dirty="0" smtClean="0"/>
+              <a:t>       /Project.sln</a:t>
+            </a:r>
+          </a:p>
+          <a:p>
+            <a:pPr algn="l"/>
+            <a:r>
+              <a:rPr lang="en-US" sz="2800" dirty="0"/>
+              <a:t> </a:t>
+            </a:r>
+            <a:r>
+              <a:rPr lang="en-US" sz="2800" dirty="0" smtClean="0"/>
+              <a:t>   /doc</a:t>
+            </a:r>
+          </a:p>
+        </p:txBody>
+      </p:sp>
+      <p:sp>
+        <p:nvSpPr>
+          <p:cNvPr id="3" name="Title 2"/>
+          <p:cNvSpPr>
+            <a:spLocks noGrp="1"/>
+          </p:cNvSpPr>
+          <p:nvPr>
+            <p:ph type="title"/>
+          </p:nvPr>
+        </p:nvSpPr>
+        <p:spPr/>
+        <p:txBody>
+          <a:bodyPr/>
+          <a:lstStyle/>
+          <a:p>
+            <a:r>
+              <a:rPr lang="en-US" dirty="0" err="1" smtClean="0"/>
+              <a:t>Rakefile</a:t>
+            </a:r>
+            <a:endParaRPr lang="en-US" dirty="0"/>
+          </a:p>
+        </p:txBody>
+      </p:sp>
+    </p:spTree>
+    <p:extLst>
+      <p:ext uri="{BB962C8B-B14F-4D97-AF65-F5344CB8AC3E}">
+        <p14:creationId xmlns:p14="http://schemas.microsoft.com/office/powerpoint/2010/main" val="1019878173"/>
+      </p:ext>
+    </p:extLst>
+  </p:cSld>
+  <p:clrMapOvr>
+    <a:masterClrMapping/>
+  </p:clrMapOvr>
+</p:sld>
+</file>
+
+<file path=ppt/slides/slide6.xml><?xml version="1.0" encoding="utf-8"?>
+<p:sld xmlns:a="http://schemas.openxmlformats.org/drawingml/2006/main" xmlns:r="http://schemas.openxmlformats.org/officeDocument/2006/relationships" xmlns:p="http://schemas.openxmlformats.org/presentationml/2006/main">
+  <p:cSld>
+    <p:spTree>
+      <p:nvGrpSpPr>
+        <p:cNvPr id="1" name=""/>
+        <p:cNvGrpSpPr/>
+        <p:nvPr/>
+      </p:nvGrpSpPr>
+      <p:grpSpPr>
+        <a:xfrm>
+          <a:off x="0" y="0"/>
+          <a:ext cx="0" cy="0"/>
+          <a:chOff x="0" y="0"/>
+          <a:chExt cx="0" cy="0"/>
+        </a:xfrm>
+      </p:grpSpPr>
+      <p:sp>
+        <p:nvSpPr>
+          <p:cNvPr id="2" name="Content Placeholder 1"/>
+          <p:cNvSpPr>
+            <a:spLocks noGrp="1"/>
+          </p:cNvSpPr>
+          <p:nvPr>
+            <p:ph sz="quarter" idx="13"/>
+          </p:nvPr>
+        </p:nvSpPr>
+        <p:spPr/>
+        <p:txBody>
+          <a:bodyPr>
+            <a:normAutofit/>
+          </a:bodyPr>
+          <a:lstStyle/>
+          <a:p>
+            <a:pPr algn="l"/>
+            <a:endParaRPr lang="en-US" sz="2400" dirty="0" smtClean="0"/>
+          </a:p>
+          <a:p>
+            <a:pPr algn="l"/>
+            <a:r>
+              <a:rPr lang="en-US" dirty="0" smtClean="0">
+                <a:solidFill>
+                  <a:srgbClr val="FFFF00"/>
+                </a:solidFill>
+              </a:rPr>
+              <a:t>task-function</a:t>
+            </a:r>
+            <a:r>
+              <a:rPr lang="en-US" dirty="0" smtClean="0"/>
+              <a:t> </a:t>
+            </a:r>
+            <a:r>
+              <a:rPr lang="en-US" dirty="0" smtClean="0">
+                <a:solidFill>
+                  <a:schemeClr val="accent4"/>
+                </a:solidFill>
+              </a:rPr>
+              <a:t>:name</a:t>
+            </a:r>
+            <a:r>
+              <a:rPr lang="en-US" dirty="0" smtClean="0"/>
+              <a:t>, [</a:t>
+            </a:r>
+            <a:r>
+              <a:rPr lang="en-US" dirty="0" smtClean="0">
+                <a:solidFill>
+                  <a:schemeClr val="accent4"/>
+                </a:solidFill>
+              </a:rPr>
+              <a:t>:arg1</a:t>
+            </a:r>
+            <a:r>
+              <a:rPr lang="en-US" dirty="0" smtClean="0"/>
+              <a:t>, </a:t>
+            </a:r>
+            <a:r>
+              <a:rPr lang="en-US" dirty="0" smtClean="0">
+                <a:solidFill>
+                  <a:schemeClr val="accent4"/>
+                </a:solidFill>
+              </a:rPr>
+              <a:t>:arg2</a:t>
+            </a:r>
+            <a:r>
+              <a:rPr lang="en-US" dirty="0" smtClean="0"/>
+              <a:t>] =&gt; [</a:t>
+            </a:r>
+            <a:r>
+              <a:rPr lang="en-US" dirty="0" smtClean="0">
+                <a:solidFill>
+                  <a:schemeClr val="accent4"/>
+                </a:solidFill>
+              </a:rPr>
+              <a:t>:depend1</a:t>
+            </a:r>
+            <a:r>
+              <a:rPr lang="en-US" dirty="0" smtClean="0"/>
+              <a:t>, </a:t>
+            </a:r>
+            <a:r>
+              <a:rPr lang="en-US" dirty="0" smtClean="0">
+                <a:solidFill>
+                  <a:schemeClr val="accent4"/>
+                </a:solidFill>
+              </a:rPr>
+              <a:t>:depend2</a:t>
+            </a:r>
+            <a:r>
+              <a:rPr lang="en-US" dirty="0" smtClean="0"/>
+              <a:t>] </a:t>
+            </a:r>
+            <a:r>
+              <a:rPr lang="en-US" dirty="0" smtClean="0"/>
+              <a:t>do |</a:t>
+            </a:r>
+            <a:r>
+              <a:rPr lang="en-US" dirty="0" smtClean="0">
+                <a:solidFill>
+                  <a:schemeClr val="accent2"/>
+                </a:solidFill>
+              </a:rPr>
+              <a:t>t</a:t>
+            </a:r>
+            <a:r>
+              <a:rPr lang="en-US" dirty="0" smtClean="0"/>
+              <a:t>, </a:t>
+            </a:r>
+            <a:r>
+              <a:rPr lang="en-US" dirty="0" err="1" smtClean="0">
+                <a:solidFill>
+                  <a:schemeClr val="accent2"/>
+                </a:solidFill>
+              </a:rPr>
+              <a:t>args</a:t>
+            </a:r>
+            <a:r>
+              <a:rPr lang="en-US" dirty="0" smtClean="0"/>
+              <a:t>|</a:t>
+            </a:r>
+            <a:endParaRPr lang="en-US" dirty="0" smtClean="0"/>
+          </a:p>
+          <a:p>
+            <a:pPr algn="l"/>
+            <a:r>
+              <a:rPr lang="en-US" dirty="0"/>
+              <a:t> </a:t>
+            </a:r>
+            <a:r>
+              <a:rPr lang="en-US" dirty="0" smtClean="0"/>
+              <a:t>   [task-body]</a:t>
+            </a:r>
+            <a:endParaRPr lang="en-US" dirty="0"/>
+          </a:p>
+          <a:p>
+            <a:pPr algn="l"/>
+            <a:r>
+              <a:rPr lang="en-US" dirty="0"/>
+              <a:t>e</a:t>
+            </a:r>
+            <a:r>
+              <a:rPr lang="en-US" dirty="0" smtClean="0"/>
+              <a:t>nd</a:t>
+            </a:r>
+          </a:p>
+          <a:p>
+            <a:pPr algn="l"/>
+            <a:endParaRPr lang="en-US" dirty="0"/>
+          </a:p>
+          <a:p>
+            <a:pPr algn="l"/>
+            <a:r>
+              <a:rPr lang="en-US" dirty="0">
+                <a:solidFill>
+                  <a:srgbClr val="FFFF00"/>
+                </a:solidFill>
+              </a:rPr>
+              <a:t>task-function</a:t>
+            </a:r>
+            <a:r>
+              <a:rPr lang="en-US" dirty="0"/>
+              <a:t> </a:t>
+            </a:r>
+            <a:r>
+              <a:rPr lang="en-US" dirty="0">
+                <a:solidFill>
+                  <a:schemeClr val="accent4"/>
+                </a:solidFill>
+              </a:rPr>
+              <a:t>:name</a:t>
+            </a:r>
+            <a:r>
+              <a:rPr lang="en-US" dirty="0"/>
+              <a:t> do |</a:t>
+            </a:r>
+            <a:r>
+              <a:rPr lang="en-US" dirty="0">
+                <a:solidFill>
+                  <a:schemeClr val="accent2"/>
+                </a:solidFill>
+              </a:rPr>
+              <a:t>t</a:t>
+            </a:r>
+            <a:r>
+              <a:rPr lang="en-US" dirty="0"/>
+              <a:t>|</a:t>
+            </a:r>
+          </a:p>
+          <a:p>
+            <a:pPr algn="l"/>
+            <a:r>
+              <a:rPr lang="en-US" dirty="0"/>
+              <a:t>    [task-body]</a:t>
+            </a:r>
+          </a:p>
+          <a:p>
+            <a:pPr algn="l"/>
+            <a:r>
+              <a:rPr lang="en-US" dirty="0" smtClean="0"/>
+              <a:t>end</a:t>
+            </a:r>
+            <a:endParaRPr lang="en-US" dirty="0"/>
+          </a:p>
+        </p:txBody>
+      </p:sp>
+      <p:sp>
+        <p:nvSpPr>
+          <p:cNvPr id="3" name="Title 2"/>
+          <p:cNvSpPr>
+            <a:spLocks noGrp="1"/>
+          </p:cNvSpPr>
+          <p:nvPr>
+            <p:ph type="title"/>
+          </p:nvPr>
+        </p:nvSpPr>
+        <p:spPr/>
+        <p:txBody>
+          <a:bodyPr/>
+          <a:lstStyle/>
+          <a:p>
+            <a:r>
+              <a:rPr lang="en-US" dirty="0" smtClean="0"/>
+              <a:t>Anatomy of a </a:t>
+            </a:r>
+            <a:r>
+              <a:rPr lang="en-US" dirty="0" err="1" smtClean="0"/>
+              <a:t>TasK</a:t>
+            </a:r>
+            <a:r>
+              <a:rPr lang="en-US" dirty="0" smtClean="0"/>
+              <a:t> Declaration</a:t>
+            </a:r>
+            <a:endParaRPr lang="en-US" dirty="0"/>
+          </a:p>
+        </p:txBody>
+      </p:sp>
+    </p:spTree>
+    <p:extLst>
+      <p:ext uri="{BB962C8B-B14F-4D97-AF65-F5344CB8AC3E}">
+        <p14:creationId xmlns:p14="http://schemas.microsoft.com/office/powerpoint/2010/main" val="183934209"/>
       </p:ext>
     </p:extLst>
   </p:cSld>
